--- a/Daily Agendas/Day10.1_MidTermDay1.pptx
+++ b/Daily Agendas/Day10.1_MidTermDay1.pptx
@@ -5,10 +5,11 @@
     <p:sldMasterId id="2147483648" r:id="rId1"/>
   </p:sldMasterIdLst>
   <p:notesMasterIdLst>
-    <p:notesMasterId r:id="rId3"/>
+    <p:notesMasterId r:id="rId4"/>
   </p:notesMasterIdLst>
   <p:sldIdLst>
     <p:sldId id="256" r:id="rId2"/>
+    <p:sldId id="257" r:id="rId3"/>
   </p:sldIdLst>
   <p:sldSz cx="9144000" cy="6858000" type="screen4x3"/>
   <p:notesSz cx="6858000" cy="9144000"/>
@@ -3510,15 +3511,7 @@
           <a:p>
             <a:r>
               <a:rPr lang="en-US" dirty="0" smtClean="0"/>
-              <a:t>Mid-Term Day1 </a:t>
-            </a:r>
-            <a:r>
-              <a:rPr lang="en-US" dirty="0" smtClean="0"/>
-              <a:t>– Nov </a:t>
-            </a:r>
-            <a:r>
-              <a:rPr lang="en-US" dirty="0" smtClean="0"/>
-              <a:t>04</a:t>
+              <a:t>Mid-Term Day1 – Nov 04</a:t>
             </a:r>
             <a:endParaRPr lang="en-US" dirty="0"/>
           </a:p>
@@ -3553,7 +3546,6 @@
               <a:rPr lang="en-CA" dirty="0" smtClean="0"/>
               <a:t>Multiple Choice</a:t>
             </a:r>
-            <a:endParaRPr lang="en-CA" dirty="0" smtClean="0"/>
           </a:p>
           <a:p>
             <a:pPr lvl="2"/>
@@ -3561,7 +3553,6 @@
               <a:rPr lang="en-CA" dirty="0" smtClean="0"/>
               <a:t>10 Questions</a:t>
             </a:r>
-            <a:endParaRPr lang="en-CA" dirty="0" smtClean="0"/>
           </a:p>
           <a:p>
             <a:pPr lvl="1"/>
@@ -3569,7 +3560,6 @@
               <a:rPr lang="en-CA" dirty="0" smtClean="0"/>
               <a:t>Short Answers</a:t>
             </a:r>
-            <a:endParaRPr lang="en-CA" dirty="0" smtClean="0"/>
           </a:p>
           <a:p>
             <a:pPr lvl="2"/>
@@ -3577,7 +3567,6 @@
               <a:rPr lang="en-CA" dirty="0" smtClean="0"/>
               <a:t>Matching</a:t>
             </a:r>
-            <a:endParaRPr lang="en-CA" dirty="0" smtClean="0"/>
           </a:p>
           <a:p>
             <a:pPr lvl="2"/>
@@ -3585,7 +3574,6 @@
               <a:rPr lang="en-CA" dirty="0" smtClean="0"/>
               <a:t>Short Answer</a:t>
             </a:r>
-            <a:endParaRPr lang="en-CA" dirty="0" smtClean="0"/>
           </a:p>
           <a:p>
             <a:pPr lvl="1">
@@ -3602,12 +3590,8 @@
           <a:p>
             <a:pPr lvl="1"/>
             <a:r>
-              <a:rPr lang="en-CA" sz="2400" dirty="0" err="1" smtClean="0"/>
-              <a:t>t.b.d</a:t>
-            </a:r>
-            <a:r>
               <a:rPr lang="en-CA" sz="2400" dirty="0" smtClean="0"/>
-              <a:t>.</a:t>
+              <a:t>Tomorrow: Mid-Term Day 2 - Programming</a:t>
             </a:r>
             <a:endParaRPr lang="en-CA" sz="2400" dirty="0"/>
           </a:p>
@@ -3618,6 +3602,89 @@
         </p:txBody>
       </p:sp>
     </p:spTree>
+  </p:cSld>
+  <p:clrMapOvr>
+    <a:masterClrMapping/>
+  </p:clrMapOvr>
+  <p:timing>
+    <p:tnLst>
+      <p:par>
+        <p:cTn id="1" dur="indefinite" restart="never" nodeType="tmRoot"/>
+      </p:par>
+    </p:tnLst>
+  </p:timing>
+</p:sld>
+</file>
+
+<file path=ppt/slides/slide2.xml><?xml version="1.0" encoding="utf-8"?>
+<p:sld xmlns:a="http://schemas.openxmlformats.org/drawingml/2006/main" xmlns:r="http://schemas.openxmlformats.org/officeDocument/2006/relationships" xmlns:p="http://schemas.openxmlformats.org/presentationml/2006/main">
+  <p:cSld>
+    <p:spTree>
+      <p:nvGrpSpPr>
+        <p:cNvPr id="1" name=""/>
+        <p:cNvGrpSpPr/>
+        <p:nvPr/>
+      </p:nvGrpSpPr>
+      <p:grpSpPr>
+        <a:xfrm>
+          <a:off x="0" y="0"/>
+          <a:ext cx="0" cy="0"/>
+          <a:chOff x="0" y="0"/>
+          <a:chExt cx="0" cy="0"/>
+        </a:xfrm>
+      </p:grpSpPr>
+      <p:sp>
+        <p:nvSpPr>
+          <p:cNvPr id="2" name="Title 1"/>
+          <p:cNvSpPr>
+            <a:spLocks noGrp="1"/>
+          </p:cNvSpPr>
+          <p:nvPr>
+            <p:ph type="title"/>
+          </p:nvPr>
+        </p:nvSpPr>
+        <p:spPr/>
+        <p:txBody>
+          <a:bodyPr/>
+          <a:lstStyle/>
+          <a:p>
+            <a:r>
+              <a:rPr lang="en-CA" dirty="0" smtClean="0"/>
+              <a:t>GitHub</a:t>
+            </a:r>
+            <a:endParaRPr lang="en-US" dirty="0"/>
+          </a:p>
+        </p:txBody>
+      </p:sp>
+      <p:sp>
+        <p:nvSpPr>
+          <p:cNvPr id="3" name="Content Placeholder 2"/>
+          <p:cNvSpPr>
+            <a:spLocks noGrp="1"/>
+          </p:cNvSpPr>
+          <p:nvPr>
+            <p:ph idx="1"/>
+          </p:nvPr>
+        </p:nvSpPr>
+        <p:spPr/>
+        <p:txBody>
+          <a:bodyPr/>
+          <a:lstStyle/>
+          <a:p>
+            <a:r>
+              <a:rPr lang="en-CA" dirty="0" smtClean="0"/>
+              <a:t>www.GitHub.com/Greg5519/</a:t>
+            </a:r>
+            <a:endParaRPr lang="en-US" dirty="0"/>
+          </a:p>
+        </p:txBody>
+      </p:sp>
+    </p:spTree>
+    <p:extLst>
+      <p:ext uri="{BB962C8B-B14F-4D97-AF65-F5344CB8AC3E}">
+        <p14:creationId xmlns:p14="http://schemas.microsoft.com/office/powerpoint/2010/main" val="3030739935"/>
+      </p:ext>
+    </p:extLst>
   </p:cSld>
   <p:clrMapOvr>
     <a:masterClrMapping/>
